--- a/Lab 5 - Tablet Restaurant Application.pptx
+++ b/Lab 5 - Tablet Restaurant Application.pptx
@@ -30990,10 +30990,10 @@
       </p:sp>
       <p:pic>
         <p:nvPicPr>
-          <p:cNvPr id="5" name="Picture 4">
+          <p:cNvPr id="3" name="Picture 2">
             <a:extLst>
               <a:ext uri="{FF2B5EF4-FFF2-40B4-BE49-F238E27FC236}">
-                <a16:creationId xmlns:a16="http://schemas.microsoft.com/office/drawing/2014/main" id="{615E3350-1129-45CB-B1E2-85A3C1945449}"/>
+                <a16:creationId xmlns:a16="http://schemas.microsoft.com/office/drawing/2014/main" id="{C4313E5A-DED3-4098-8179-8C8403DB2DCA}"/>
               </a:ext>
             </a:extLst>
           </p:cNvPr>
@@ -31010,8 +31010,8 @@
         </p:blipFill>
         <p:spPr>
           <a:xfrm>
-            <a:off x="0" y="2755719"/>
-            <a:ext cx="12192000" cy="2842609"/>
+            <a:off x="0" y="3071036"/>
+            <a:ext cx="12192000" cy="2279910"/>
           </a:xfrm>
           <a:prstGeom prst="rect">
             <a:avLst/>
@@ -32003,15 +32003,6 @@
 </file>
 
 <file path=customXml/item2.xml><?xml version="1.0" encoding="utf-8"?>
-<?mso-contentType ?>
-<FormTemplates xmlns="http://schemas.microsoft.com/sharepoint/v3/contenttype/forms">
-  <Display>DocumentLibraryForm</Display>
-  <Edit>DocumentLibraryForm</Edit>
-  <New>DocumentLibraryForm</New>
-</FormTemplates>
-</file>
-
-<file path=customXml/item3.xml><?xml version="1.0" encoding="utf-8"?>
 <ct:contentTypeSchema xmlns:ct="http://schemas.microsoft.com/office/2006/metadata/contentType" xmlns:ma="http://schemas.microsoft.com/office/2006/metadata/properties/metaAttributes" ct:_="" ma:_="" ma:contentTypeName="Document" ma:contentTypeID="0x010100DEEA25CC0A0AC24199CDC46C25B8B0BC" ma:contentTypeVersion="10" ma:contentTypeDescription="Create a new document." ma:contentTypeScope="" ma:versionID="e3b47856d4cf355c0dacb39e1084d14f">
   <xsd:schema xmlns:xsd="http://www.w3.org/2001/XMLSchema" xmlns:xs="http://www.w3.org/2001/XMLSchema" xmlns:p="http://schemas.microsoft.com/office/2006/metadata/properties" xmlns:ns1="http://schemas.microsoft.com/sharepoint/v3" xmlns:ns2="6dc4bcd6-49db-4c07-9060-8acfc67cef9f" xmlns:ns3="fb0879af-3eba-417a-a55a-ffe6dcd6ca77" targetNamespace="http://schemas.microsoft.com/office/2006/metadata/properties" ma:root="true" ma:fieldsID="a845a615265fdb1f7b12cc65ac20ecbd" ns1:_="" ns2:_="" ns3:_="">
     <xsd:import namespace="http://schemas.microsoft.com/sharepoint/v3"/>
@@ -32219,6 +32210,15 @@
 </ct:contentTypeSchema>
 </file>
 
+<file path=customXml/item3.xml><?xml version="1.0" encoding="utf-8"?>
+<?mso-contentType ?>
+<FormTemplates xmlns="http://schemas.microsoft.com/sharepoint/v3/contenttype/forms">
+  <Display>DocumentLibraryForm</Display>
+  <Edit>DocumentLibraryForm</Edit>
+  <New>DocumentLibraryForm</New>
+</FormTemplates>
+</file>
+
 <file path=customXml/itemProps1.xml><?xml version="1.0" encoding="utf-8"?>
 <ds:datastoreItem xmlns:ds="http://schemas.openxmlformats.org/officeDocument/2006/customXml" ds:itemID="{12024DF7-0783-4549-86B7-A48B29FBA9C2}">
   <ds:schemaRefs>
@@ -32238,14 +32238,6 @@
 </file>
 
 <file path=customXml/itemProps2.xml><?xml version="1.0" encoding="utf-8"?>
-<ds:datastoreItem xmlns:ds="http://schemas.openxmlformats.org/officeDocument/2006/customXml" ds:itemID="{750F309C-DE10-4641-9043-BB7E781AC404}">
-  <ds:schemaRefs>
-    <ds:schemaRef ds:uri="http://schemas.microsoft.com/sharepoint/v3/contenttype/forms"/>
-  </ds:schemaRefs>
-</ds:datastoreItem>
-</file>
-
-<file path=customXml/itemProps3.xml><?xml version="1.0" encoding="utf-8"?>
 <ds:datastoreItem xmlns:ds="http://schemas.openxmlformats.org/officeDocument/2006/customXml" ds:itemID="{A6393BED-762D-4FA3-96CF-866F426A043C}">
   <ds:schemaRefs>
     <ds:schemaRef ds:uri="http://schemas.microsoft.com/office/2006/metadata/contentType"/>
@@ -32263,4 +32255,12 @@
     <ds:schemaRef ds:uri="http://schemas.microsoft.com/internal/obd"/>
   </ds:schemaRefs>
 </ds:datastoreItem>
+</file>
+
+<file path=customXml/itemProps3.xml><?xml version="1.0" encoding="utf-8"?>
+<ds:datastoreItem xmlns:ds="http://schemas.openxmlformats.org/officeDocument/2006/customXml" ds:itemID="{750F309C-DE10-4641-9043-BB7E781AC404}">
+  <ds:schemaRefs>
+    <ds:schemaRef ds:uri="http://schemas.microsoft.com/sharepoint/v3/contenttype/forms"/>
+  </ds:schemaRefs>
+</ds:datastoreItem>
 </file>
--- a/Lab 5 - Tablet Restaurant Application.pptx
+++ b/Lab 5 - Tablet Restaurant Application.pptx
@@ -5,20 +5,21 @@
     <p:sldMasterId id="2147483648" r:id="rId4"/>
   </p:sldMasterIdLst>
   <p:notesMasterIdLst>
-    <p:notesMasterId r:id="rId13"/>
+    <p:notesMasterId r:id="rId14"/>
   </p:notesMasterIdLst>
   <p:handoutMasterIdLst>
-    <p:handoutMasterId r:id="rId14"/>
+    <p:handoutMasterId r:id="rId15"/>
   </p:handoutMasterIdLst>
   <p:sldIdLst>
     <p:sldId id="266" r:id="rId5"/>
     <p:sldId id="257" r:id="rId6"/>
     <p:sldId id="258" r:id="rId7"/>
     <p:sldId id="272" r:id="rId8"/>
-    <p:sldId id="259" r:id="rId9"/>
-    <p:sldId id="260" r:id="rId10"/>
-    <p:sldId id="273" r:id="rId11"/>
-    <p:sldId id="262" r:id="rId12"/>
+    <p:sldId id="274" r:id="rId9"/>
+    <p:sldId id="259" r:id="rId10"/>
+    <p:sldId id="260" r:id="rId11"/>
+    <p:sldId id="273" r:id="rId12"/>
+    <p:sldId id="262" r:id="rId13"/>
   </p:sldIdLst>
   <p:sldSz cx="12192000" cy="6858000"/>
   <p:notesSz cx="6858000" cy="9144000"/>
@@ -30422,6 +30423,237 @@
           <p:cNvPr id="2" name="Title 1">
             <a:extLst>
               <a:ext uri="{FF2B5EF4-FFF2-40B4-BE49-F238E27FC236}">
+                <a16:creationId xmlns:a16="http://schemas.microsoft.com/office/drawing/2014/main" id="{64F79B87-4AA7-436A-A28E-213168C1C67B}"/>
+              </a:ext>
+            </a:extLst>
+          </p:cNvPr>
+          <p:cNvSpPr>
+            <a:spLocks noGrp="1"/>
+          </p:cNvSpPr>
+          <p:nvPr>
+            <p:ph type="title"/>
+          </p:nvPr>
+        </p:nvSpPr>
+        <p:spPr/>
+        <p:txBody>
+          <a:bodyPr/>
+          <a:lstStyle/>
+          <a:p>
+            <a:r>
+              <a:rPr lang="en-US" dirty="0"/>
+              <a:t>Platform 	</a:t>
+            </a:r>
+            <a:endParaRPr lang="ru-RU" dirty="0"/>
+          </a:p>
+        </p:txBody>
+      </p:sp>
+      <p:sp>
+        <p:nvSpPr>
+          <p:cNvPr id="5" name="Text Placeholder 4">
+            <a:extLst>
+              <a:ext uri="{FF2B5EF4-FFF2-40B4-BE49-F238E27FC236}">
+                <a16:creationId xmlns:a16="http://schemas.microsoft.com/office/drawing/2014/main" id="{5DD2790B-AC76-457A-BCB5-3E68F230ED5B}"/>
+              </a:ext>
+            </a:extLst>
+          </p:cNvPr>
+          <p:cNvSpPr>
+            <a:spLocks noGrp="1"/>
+          </p:cNvSpPr>
+          <p:nvPr>
+            <p:ph type="body" sz="quarter" idx="15"/>
+          </p:nvPr>
+        </p:nvSpPr>
+        <p:spPr>
+          <a:xfrm>
+            <a:off x="770961" y="2574888"/>
+            <a:ext cx="4548187" cy="2268575"/>
+          </a:xfrm>
+        </p:spPr>
+        <p:txBody>
+          <a:bodyPr/>
+          <a:lstStyle/>
+          <a:p>
+            <a:pPr lvl="0"/>
+            <a:r>
+              <a:rPr lang="en-US" sz="1800" dirty="0">
+                <a:solidFill>
+                  <a:schemeClr val="tx1"/>
+                </a:solidFill>
+                <a:latin typeface="Times New Roman" panose="02020603050405020304" pitchFamily="18" charset="0"/>
+                <a:cs typeface="Times New Roman" panose="02020603050405020304" pitchFamily="18" charset="0"/>
+              </a:rPr>
+              <a:t>PHP </a:t>
+            </a:r>
+          </a:p>
+          <a:p>
+            <a:pPr lvl="0"/>
+            <a:r>
+              <a:rPr lang="en-US" sz="1800" dirty="0" err="1">
+                <a:solidFill>
+                  <a:schemeClr val="tx1"/>
+                </a:solidFill>
+                <a:latin typeface="Times New Roman" panose="02020603050405020304" pitchFamily="18" charset="0"/>
+                <a:cs typeface="Times New Roman" panose="02020603050405020304" pitchFamily="18" charset="0"/>
+              </a:rPr>
+              <a:t>PHPmyAdmin</a:t>
+            </a:r>
+            <a:r>
+              <a:rPr lang="en-US" sz="1800" dirty="0">
+                <a:solidFill>
+                  <a:schemeClr val="tx1"/>
+                </a:solidFill>
+                <a:latin typeface="Times New Roman" panose="02020603050405020304" pitchFamily="18" charset="0"/>
+                <a:cs typeface="Times New Roman" panose="02020603050405020304" pitchFamily="18" charset="0"/>
+              </a:rPr>
+              <a:t> </a:t>
+            </a:r>
+          </a:p>
+          <a:p>
+            <a:pPr lvl="0"/>
+            <a:r>
+              <a:rPr lang="en-US" sz="1800" dirty="0">
+                <a:solidFill>
+                  <a:schemeClr val="tx1"/>
+                </a:solidFill>
+                <a:latin typeface="Times New Roman" panose="02020603050405020304" pitchFamily="18" charset="0"/>
+                <a:cs typeface="Times New Roman" panose="02020603050405020304" pitchFamily="18" charset="0"/>
+              </a:rPr>
+              <a:t>CSS</a:t>
+            </a:r>
+          </a:p>
+          <a:p>
+            <a:pPr lvl="0"/>
+            <a:r>
+              <a:rPr lang="en-US" sz="1800" dirty="0">
+                <a:solidFill>
+                  <a:schemeClr val="tx1"/>
+                </a:solidFill>
+                <a:latin typeface="Times New Roman" panose="02020603050405020304" pitchFamily="18" charset="0"/>
+                <a:cs typeface="Times New Roman" panose="02020603050405020304" pitchFamily="18" charset="0"/>
+              </a:rPr>
+              <a:t>SQL </a:t>
+            </a:r>
+            <a:r>
+              <a:rPr lang="en-US" sz="1800" dirty="0" err="1">
+                <a:solidFill>
+                  <a:schemeClr val="tx1"/>
+                </a:solidFill>
+                <a:latin typeface="Times New Roman" panose="02020603050405020304" pitchFamily="18" charset="0"/>
+                <a:cs typeface="Times New Roman" panose="02020603050405020304" pitchFamily="18" charset="0"/>
+              </a:rPr>
+              <a:t>Querries</a:t>
+            </a:r>
+            <a:r>
+              <a:rPr lang="en-US" sz="1800" dirty="0">
+                <a:solidFill>
+                  <a:schemeClr val="tx1"/>
+                </a:solidFill>
+                <a:latin typeface="Times New Roman" panose="02020603050405020304" pitchFamily="18" charset="0"/>
+                <a:cs typeface="Times New Roman" panose="02020603050405020304" pitchFamily="18" charset="0"/>
+              </a:rPr>
+              <a:t> </a:t>
+            </a:r>
+          </a:p>
+          <a:p>
+            <a:endParaRPr lang="ru-RU" dirty="0"/>
+          </a:p>
+        </p:txBody>
+      </p:sp>
+      <p:sp>
+        <p:nvSpPr>
+          <p:cNvPr id="4" name="Slide Number Placeholder 3">
+            <a:extLst>
+              <a:ext uri="{FF2B5EF4-FFF2-40B4-BE49-F238E27FC236}">
+                <a16:creationId xmlns:a16="http://schemas.microsoft.com/office/drawing/2014/main" id="{9DFFC05B-6738-42DC-8BE6-C9279D17A4F6}"/>
+              </a:ext>
+            </a:extLst>
+          </p:cNvPr>
+          <p:cNvSpPr>
+            <a:spLocks noGrp="1"/>
+          </p:cNvSpPr>
+          <p:nvPr>
+            <p:ph type="sldNum" sz="quarter" idx="12"/>
+          </p:nvPr>
+        </p:nvSpPr>
+        <p:spPr/>
+        <p:txBody>
+          <a:bodyPr/>
+          <a:lstStyle/>
+          <a:p>
+            <a:fld id="{D495E168-DA5E-4888-8D8A-92B118324C14}" type="slidenum">
+              <a:rPr lang="ru-RU" smtClean="0"/>
+              <a:pPr/>
+              <a:t>5</a:t>
+            </a:fld>
+            <a:endParaRPr lang="ru-RU" dirty="0"/>
+          </a:p>
+        </p:txBody>
+      </p:sp>
+      <p:pic>
+        <p:nvPicPr>
+          <p:cNvPr id="9" name="Picture Placeholder 8">
+            <a:extLst>
+              <a:ext uri="{FF2B5EF4-FFF2-40B4-BE49-F238E27FC236}">
+                <a16:creationId xmlns:a16="http://schemas.microsoft.com/office/drawing/2014/main" id="{38FE3DC4-9199-48F8-AF0D-DFE683ECE89E}"/>
+              </a:ext>
+            </a:extLst>
+          </p:cNvPr>
+          <p:cNvPicPr>
+            <a:picLocks noGrp="1" noChangeAspect="1"/>
+          </p:cNvPicPr>
+          <p:nvPr>
+            <p:ph type="pic" sz="quarter" idx="18"/>
+          </p:nvPr>
+        </p:nvPicPr>
+        <p:blipFill>
+          <a:blip r:embed="rId2"/>
+          <a:srcRect t="32269" b="32269"/>
+          <a:stretch>
+            <a:fillRect/>
+          </a:stretch>
+        </p:blipFill>
+        <p:spPr>
+          <a:xfrm>
+            <a:off x="5771770" y="1483675"/>
+            <a:ext cx="6421408" cy="3438427"/>
+          </a:xfrm>
+        </p:spPr>
+      </p:pic>
+    </p:spTree>
+    <p:extLst>
+      <p:ext uri="{BB962C8B-B14F-4D97-AF65-F5344CB8AC3E}">
+        <p14:creationId xmlns:p14="http://schemas.microsoft.com/office/powerpoint/2010/main" val="345873215"/>
+      </p:ext>
+    </p:extLst>
+  </p:cSld>
+  <p:clrMapOvr>
+    <a:masterClrMapping/>
+  </p:clrMapOvr>
+</p:sld>
+</file>
+
+<file path=ppt/slides/slide6.xml><?xml version="1.0" encoding="utf-8"?>
+<p:sld xmlns:a="http://schemas.openxmlformats.org/drawingml/2006/main" xmlns:r="http://schemas.openxmlformats.org/officeDocument/2006/relationships" xmlns:p="http://schemas.openxmlformats.org/presentationml/2006/main">
+  <p:cSld>
+    <p:spTree>
+      <p:nvGrpSpPr>
+        <p:cNvPr id="1" name=""/>
+        <p:cNvGrpSpPr/>
+        <p:nvPr/>
+      </p:nvGrpSpPr>
+      <p:grpSpPr>
+        <a:xfrm>
+          <a:off x="0" y="0"/>
+          <a:ext cx="0" cy="0"/>
+          <a:chOff x="0" y="0"/>
+          <a:chExt cx="0" cy="0"/>
+        </a:xfrm>
+      </p:grpSpPr>
+      <p:sp>
+        <p:nvSpPr>
+          <p:cNvPr id="2" name="Title 1">
+            <a:extLst>
+              <a:ext uri="{FF2B5EF4-FFF2-40B4-BE49-F238E27FC236}">
                 <a16:creationId xmlns:a16="http://schemas.microsoft.com/office/drawing/2014/main" id="{F8139155-1F5E-4F48-B50E-F00D8FC535D9}"/>
               </a:ext>
             </a:extLst>
@@ -30762,7 +30994,7 @@
             <a:fld id="{D495E168-DA5E-4888-8D8A-92B118324C14}" type="slidenum">
               <a:rPr lang="ru-RU" smtClean="0"/>
               <a:pPr/>
-              <a:t>5</a:t>
+              <a:t>6</a:t>
             </a:fld>
             <a:endParaRPr lang="ru-RU" dirty="0"/>
           </a:p>
@@ -30781,7 +31013,7 @@
 </p:sld>
 </file>
 
-<file path=ppt/slides/slide6.xml><?xml version="1.0" encoding="utf-8"?>
+<file path=ppt/slides/slide7.xml><?xml version="1.0" encoding="utf-8"?>
 <p:sld xmlns:a="http://schemas.openxmlformats.org/drawingml/2006/main" xmlns:r="http://schemas.openxmlformats.org/officeDocument/2006/relationships" xmlns:p="http://schemas.openxmlformats.org/presentationml/2006/main">
   <p:cSld>
     <p:spTree>
@@ -30857,7 +31089,7 @@
           <a:p>
             <a:fld id="{D495E168-DA5E-4888-8D8A-92B118324C14}" type="slidenum">
               <a:rPr lang="ru-RU" smtClean="0"/>
-              <a:t>6</a:t>
+              <a:t>7</a:t>
             </a:fld>
             <a:endParaRPr lang="ru-RU" dirty="0"/>
           </a:p>
@@ -30906,7 +31138,7 @@
 </p:sld>
 </file>
 
-<file path=ppt/slides/slide7.xml><?xml version="1.0" encoding="utf-8"?>
+<file path=ppt/slides/slide8.xml><?xml version="1.0" encoding="utf-8"?>
 <p:sld xmlns:a="http://schemas.openxmlformats.org/drawingml/2006/main" xmlns:r="http://schemas.openxmlformats.org/officeDocument/2006/relationships" xmlns:p="http://schemas.openxmlformats.org/presentationml/2006/main">
   <p:cSld>
     <p:spTree>
@@ -30982,7 +31214,7 @@
           <a:p>
             <a:fld id="{D495E168-DA5E-4888-8D8A-92B118324C14}" type="slidenum">
               <a:rPr lang="ru-RU" smtClean="0"/>
-              <a:t>7</a:t>
+              <a:t>8</a:t>
             </a:fld>
             <a:endParaRPr lang="ru-RU" dirty="0"/>
           </a:p>
@@ -31031,7 +31263,7 @@
 </p:sld>
 </file>
 
-<file path=ppt/slides/slide8.xml><?xml version="1.0" encoding="utf-8"?>
+<file path=ppt/slides/slide9.xml><?xml version="1.0" encoding="utf-8"?>
 <p:sld xmlns:a="http://schemas.openxmlformats.org/drawingml/2006/main" xmlns:r="http://schemas.openxmlformats.org/officeDocument/2006/relationships" xmlns:p="http://schemas.openxmlformats.org/presentationml/2006/main">
   <p:cSld>
     <p:spTree>
@@ -31130,7 +31362,7 @@
             <a:fld id="{D495E168-DA5E-4888-8D8A-92B118324C14}" type="slidenum">
               <a:rPr lang="ru-RU" smtClean="0"/>
               <a:pPr/>
-              <a:t>8</a:t>
+              <a:t>9</a:t>
             </a:fld>
             <a:endParaRPr lang="ru-RU" dirty="0"/>
           </a:p>

--- a/Lab 5 - Tablet Restaurant Application.pptx
+++ b/Lab 5 - Tablet Restaurant Application.pptx
@@ -30488,16 +30488,6 @@
           <a:p>
             <a:pPr lvl="0"/>
             <a:r>
-              <a:rPr lang="en-US" sz="1800" dirty="0" err="1">
-                <a:solidFill>
-                  <a:schemeClr val="tx1"/>
-                </a:solidFill>
-                <a:latin typeface="Times New Roman" panose="02020603050405020304" pitchFamily="18" charset="0"/>
-                <a:cs typeface="Times New Roman" panose="02020603050405020304" pitchFamily="18" charset="0"/>
-              </a:rPr>
-              <a:t>PHPmyAdmin</a:t>
-            </a:r>
-            <a:r>
               <a:rPr lang="en-US" sz="1800" dirty="0">
                 <a:solidFill>
                   <a:schemeClr val="tx1"/>
@@ -30505,7 +30495,7 @@
                 <a:latin typeface="Times New Roman" panose="02020603050405020304" pitchFamily="18" charset="0"/>
                 <a:cs typeface="Times New Roman" panose="02020603050405020304" pitchFamily="18" charset="0"/>
               </a:rPr>
-              <a:t> </a:t>
+              <a:t>phpMyAdmin </a:t>
             </a:r>
           </a:p>
           <a:p>
@@ -30519,39 +30509,6 @@
                 <a:cs typeface="Times New Roman" panose="02020603050405020304" pitchFamily="18" charset="0"/>
               </a:rPr>
               <a:t>CSS</a:t>
-            </a:r>
-          </a:p>
-          <a:p>
-            <a:pPr lvl="0"/>
-            <a:r>
-              <a:rPr lang="en-US" sz="1800" dirty="0">
-                <a:solidFill>
-                  <a:schemeClr val="tx1"/>
-                </a:solidFill>
-                <a:latin typeface="Times New Roman" panose="02020603050405020304" pitchFamily="18" charset="0"/>
-                <a:cs typeface="Times New Roman" panose="02020603050405020304" pitchFamily="18" charset="0"/>
-              </a:rPr>
-              <a:t>SQL </a:t>
-            </a:r>
-            <a:r>
-              <a:rPr lang="en-US" sz="1800" dirty="0" err="1">
-                <a:solidFill>
-                  <a:schemeClr val="tx1"/>
-                </a:solidFill>
-                <a:latin typeface="Times New Roman" panose="02020603050405020304" pitchFamily="18" charset="0"/>
-                <a:cs typeface="Times New Roman" panose="02020603050405020304" pitchFamily="18" charset="0"/>
-              </a:rPr>
-              <a:t>Querries</a:t>
-            </a:r>
-            <a:r>
-              <a:rPr lang="en-US" sz="1800" dirty="0">
-                <a:solidFill>
-                  <a:schemeClr val="tx1"/>
-                </a:solidFill>
-                <a:latin typeface="Times New Roman" panose="02020603050405020304" pitchFamily="18" charset="0"/>
-                <a:cs typeface="Times New Roman" panose="02020603050405020304" pitchFamily="18" charset="0"/>
-              </a:rPr>
-              <a:t> </a:t>
             </a:r>
           </a:p>
           <a:p>

--- a/Lab 5 - Tablet Restaurant Application.pptx
+++ b/Lab 5 - Tablet Restaurant Application.pptx
@@ -30441,7 +30441,7 @@
           <a:p>
             <a:r>
               <a:rPr lang="en-US" dirty="0"/>
-              <a:t>Platform 	</a:t>
+              <a:t>Structure 	</a:t>
             </a:r>
             <a:endParaRPr lang="ru-RU" dirty="0"/>
           </a:p>
